--- a/docs/EC2creation.pptx
+++ b/docs/EC2creation.pptx
@@ -120,10 +120,21 @@
   </p:defaultTextStyle>
   <p:extLst>
     <p:ext uri="{EFAFB233-063F-42B5-8137-9DF3F51BA10A}">
-      <p15:sldGuideLst xmlns:p15="http://schemas.microsoft.com/office/powerpoint/2012/main" xmlns=""/>
+      <p15:sldGuideLst xmlns:p15="http://schemas.microsoft.com/office/powerpoint/2012/main">
+        <p15:guide id="1" orient="horz" pos="2160">
+          <p15:clr>
+            <a:srgbClr val="A4A3A4"/>
+          </p15:clr>
+        </p15:guide>
+        <p15:guide id="2" pos="3840">
+          <p15:clr>
+            <a:srgbClr val="A4A3A4"/>
+          </p15:clr>
+        </p15:guide>
+      </p15:sldGuideLst>
     </p:ext>
     <p:ext uri="{2D200454-40CA-4A62-9FC3-DE9A4176ACB9}">
-      <p15:notesGuideLst xmlns:p15="http://schemas.microsoft.com/office/powerpoint/2012/main" xmlns=""/>
+      <p15:notesGuideLst xmlns:p15="http://schemas.microsoft.com/office/powerpoint/2012/main"/>
     </p:ext>
   </p:extLst>
 </p:presentation>
@@ -156,7 +167,7 @@
           <p:cNvPr id="2" name="Header Placeholder 1">
             <a:extLst>
               <a:ext uri="{FF2B5EF4-FFF2-40B4-BE49-F238E27FC236}">
-                <a16:creationId xmlns:a16="http://schemas.microsoft.com/office/drawing/2014/main" xmlns="" id="{600B7FD6-6B50-4C58-994F-82DC62142788}"/>
+                <a16:creationId xmlns:a16="http://schemas.microsoft.com/office/drawing/2014/main" id="{600B7FD6-6B50-4C58-994F-82DC62142788}"/>
               </a:ext>
             </a:extLst>
           </p:cNvPr>
@@ -193,7 +204,7 @@
           <p:cNvPr id="3" name="Date Placeholder 2">
             <a:extLst>
               <a:ext uri="{FF2B5EF4-FFF2-40B4-BE49-F238E27FC236}">
-                <a16:creationId xmlns:a16="http://schemas.microsoft.com/office/drawing/2014/main" xmlns="" id="{95CC7F2D-6B16-4B88-A4F8-ABD5316B4732}"/>
+                <a16:creationId xmlns:a16="http://schemas.microsoft.com/office/drawing/2014/main" id="{95CC7F2D-6B16-4B88-A4F8-ABD5316B4732}"/>
               </a:ext>
             </a:extLst>
           </p:cNvPr>
@@ -234,7 +245,7 @@
           <p:cNvPr id="4" name="Footer Placeholder 3">
             <a:extLst>
               <a:ext uri="{FF2B5EF4-FFF2-40B4-BE49-F238E27FC236}">
-                <a16:creationId xmlns:a16="http://schemas.microsoft.com/office/drawing/2014/main" xmlns="" id="{F94CEF1E-1ACC-48D0-92B3-CB3D4FED50A8}"/>
+                <a16:creationId xmlns:a16="http://schemas.microsoft.com/office/drawing/2014/main" id="{F94CEF1E-1ACC-48D0-92B3-CB3D4FED50A8}"/>
               </a:ext>
             </a:extLst>
           </p:cNvPr>
@@ -271,7 +282,7 @@
           <p:cNvPr id="5" name="Slide Number Placeholder 4">
             <a:extLst>
               <a:ext uri="{FF2B5EF4-FFF2-40B4-BE49-F238E27FC236}">
-                <a16:creationId xmlns:a16="http://schemas.microsoft.com/office/drawing/2014/main" xmlns="" id="{45F188B4-83B8-4C82-AFAC-DC1E415458F6}"/>
+                <a16:creationId xmlns:a16="http://schemas.microsoft.com/office/drawing/2014/main" id="{45F188B4-83B8-4C82-AFAC-DC1E415458F6}"/>
               </a:ext>
             </a:extLst>
           </p:cNvPr>
@@ -4038,7 +4049,7 @@
           <p:cNvPr id="2" name="Title 1">
             <a:extLst>
               <a:ext uri="{FF2B5EF4-FFF2-40B4-BE49-F238E27FC236}">
-                <a16:creationId xmlns:a16="http://schemas.microsoft.com/office/drawing/2014/main" xmlns="" id="{B181F489-B701-4C74-9747-27C8656A89CC}"/>
+                <a16:creationId xmlns:a16="http://schemas.microsoft.com/office/drawing/2014/main" id="{B181F489-B701-4C74-9747-27C8656A89CC}"/>
               </a:ext>
             </a:extLst>
           </p:cNvPr>
@@ -4070,7 +4081,7 @@
           <p:cNvPr id="3" name="Subtitle 2">
             <a:extLst>
               <a:ext uri="{FF2B5EF4-FFF2-40B4-BE49-F238E27FC236}">
-                <a16:creationId xmlns:a16="http://schemas.microsoft.com/office/drawing/2014/main" xmlns="" id="{6D699F35-1401-4ECD-9F96-7017DB9FA104}"/>
+                <a16:creationId xmlns:a16="http://schemas.microsoft.com/office/drawing/2014/main" id="{6D699F35-1401-4ECD-9F96-7017DB9FA104}"/>
               </a:ext>
             </a:extLst>
           </p:cNvPr>
@@ -4117,13 +4128,6 @@
   <p:clrMapOvr>
     <a:masterClrMapping/>
   </p:clrMapOvr>
-  <p:timing>
-    <p:tnLst>
-      <p:par>
-        <p:cTn id="1" dur="indefinite" restart="never" nodeType="tmRoot"/>
-      </p:par>
-    </p:tnLst>
-  </p:timing>
 </p:sld>
 </file>
 
@@ -4149,7 +4153,7 @@
           <p:cNvPr id="2" name="Title 1">
             <a:extLst>
               <a:ext uri="{FF2B5EF4-FFF2-40B4-BE49-F238E27FC236}">
-                <a16:creationId xmlns:a16="http://schemas.microsoft.com/office/drawing/2014/main" xmlns="" id="{F2153DD3-C27C-457D-ADDD-066D01CB95CA}"/>
+                <a16:creationId xmlns:a16="http://schemas.microsoft.com/office/drawing/2014/main" id="{F2153DD3-C27C-457D-ADDD-066D01CB95CA}"/>
               </a:ext>
             </a:extLst>
           </p:cNvPr>
@@ -4184,7 +4188,7 @@
           <p:cNvPr id="7" name="Graphic 6" descr="Sun">
             <a:extLst>
               <a:ext uri="{FF2B5EF4-FFF2-40B4-BE49-F238E27FC236}">
-                <a16:creationId xmlns:a16="http://schemas.microsoft.com/office/drawing/2014/main" xmlns="" id="{6314C98B-D1E0-4291-8DE1-BABBB730A23E}"/>
+                <a16:creationId xmlns:a16="http://schemas.microsoft.com/office/drawing/2014/main" id="{6314C98B-D1E0-4291-8DE1-BABBB730A23E}"/>
               </a:ext>
             </a:extLst>
           </p:cNvPr>
@@ -4197,7 +4201,7 @@
           <a:blip r:embed="rId2">
             <a:extLst>
               <a:ext uri="{96DAC541-7B7A-43D3-8B79-37D633B846F1}">
-                <asvg:svgBlip xmlns:asvg="http://schemas.microsoft.com/office/drawing/2016/SVG/main" xmlns="" r:embed="rId3"/>
+                <asvg:svgBlip xmlns:asvg="http://schemas.microsoft.com/office/drawing/2016/SVG/main" r:embed="rId3"/>
               </a:ext>
             </a:extLst>
           </a:blip>
@@ -4220,7 +4224,7 @@
           <p:cNvPr id="5" name="Content Placeholder 4">
             <a:extLst>
               <a:ext uri="{FF2B5EF4-FFF2-40B4-BE49-F238E27FC236}">
-                <a16:creationId xmlns:a16="http://schemas.microsoft.com/office/drawing/2014/main" xmlns="" id="{60C35425-F39E-4C9A-B71A-2EE1CA872B26}"/>
+                <a16:creationId xmlns:a16="http://schemas.microsoft.com/office/drawing/2014/main" id="{60C35425-F39E-4C9A-B71A-2EE1CA872B26}"/>
               </a:ext>
             </a:extLst>
           </p:cNvPr>
@@ -4243,116 +4247,25 @@
           <a:p>
             <a:r>
               <a:rPr lang="en-IN" sz="2800" dirty="0"/>
-              <a:t>What </a:t>
-            </a:r>
-            <a:r>
-              <a:rPr lang="en-IN" sz="2800" dirty="0" smtClean="0"/>
-              <a:t>Is a cloud </a:t>
-            </a:r>
+              <a:t>What Is a cloud Computing?</a:t>
+            </a:r>
+          </a:p>
+          <a:p>
             <a:r>
               <a:rPr lang="en-IN" sz="2800" dirty="0"/>
-              <a:t>C</a:t>
-            </a:r>
-            <a:r>
-              <a:rPr lang="en-IN" sz="2800" dirty="0" smtClean="0"/>
-              <a:t>omputing</a:t>
-            </a:r>
-            <a:r>
-              <a:rPr lang="en-IN" sz="2800" dirty="0" smtClean="0"/>
-              <a:t>?</a:t>
-            </a:r>
-            <a:endParaRPr lang="en-IN" sz="2800" dirty="0"/>
+              <a:t>AWS Role In Cloud Computing?</a:t>
+            </a:r>
           </a:p>
           <a:p>
             <a:r>
               <a:rPr lang="en-IN" sz="2800" dirty="0"/>
-              <a:t>AWS Role </a:t>
-            </a:r>
-            <a:r>
-              <a:rPr lang="en-IN" sz="2800" dirty="0" smtClean="0"/>
-              <a:t>In Cloud </a:t>
-            </a:r>
-            <a:r>
-              <a:rPr lang="en-IN" sz="2800" dirty="0" smtClean="0"/>
-              <a:t>Computing</a:t>
-            </a:r>
-            <a:r>
-              <a:rPr lang="en-IN" sz="2800" dirty="0" smtClean="0"/>
-              <a:t>?</a:t>
-            </a:r>
-            <a:endParaRPr lang="en-IN" sz="2800" dirty="0"/>
+              <a:t>What Is EC2 ,Why Do We Need and how it will be Useful ?</a:t>
+            </a:r>
           </a:p>
           <a:p>
             <a:r>
               <a:rPr lang="en-IN" sz="2800" dirty="0"/>
-              <a:t>What </a:t>
-            </a:r>
-            <a:r>
-              <a:rPr lang="en-IN" sz="2800" dirty="0" smtClean="0"/>
-              <a:t>Is </a:t>
-            </a:r>
-            <a:r>
-              <a:rPr lang="en-IN" sz="2800" dirty="0"/>
-              <a:t>EC2 </a:t>
-            </a:r>
-            <a:r>
-              <a:rPr lang="en-IN" sz="2800" dirty="0" smtClean="0"/>
-              <a:t>,Why Do </a:t>
-            </a:r>
-            <a:r>
-              <a:rPr lang="en-IN" sz="2800" dirty="0"/>
-              <a:t>W</a:t>
-            </a:r>
-            <a:r>
-              <a:rPr lang="en-IN" sz="2800" dirty="0" smtClean="0"/>
-              <a:t>e </a:t>
-            </a:r>
-            <a:r>
-              <a:rPr lang="en-IN" sz="2800" dirty="0" smtClean="0"/>
-              <a:t>N</a:t>
-            </a:r>
-            <a:r>
-              <a:rPr lang="en-IN" sz="2800" dirty="0" smtClean="0"/>
-              <a:t>eed and how it will be </a:t>
-            </a:r>
-            <a:r>
-              <a:rPr lang="en-IN" sz="2800" dirty="0" smtClean="0"/>
-              <a:t>Useful</a:t>
-            </a:r>
-            <a:r>
-              <a:rPr lang="en-IN" sz="2800" dirty="0" smtClean="0"/>
-              <a:t> ?</a:t>
-            </a:r>
-            <a:endParaRPr lang="en-IN" sz="2800" dirty="0"/>
-          </a:p>
-          <a:p>
-            <a:r>
-              <a:rPr lang="en-IN" sz="2800" dirty="0"/>
-              <a:t>Type </a:t>
-            </a:r>
-            <a:r>
-              <a:rPr lang="en-IN" sz="2800" dirty="0" smtClean="0"/>
-              <a:t>Of </a:t>
-            </a:r>
-            <a:r>
-              <a:rPr lang="en-IN" sz="2800" dirty="0"/>
-              <a:t>O</a:t>
-            </a:r>
-            <a:r>
-              <a:rPr lang="en-IN" sz="2800" dirty="0" smtClean="0"/>
-              <a:t>S </a:t>
-            </a:r>
-            <a:r>
-              <a:rPr lang="en-IN" sz="2800" dirty="0"/>
-              <a:t>S</a:t>
-            </a:r>
-            <a:r>
-              <a:rPr lang="en-IN" sz="2800" dirty="0" smtClean="0"/>
-              <a:t>upport </a:t>
-            </a:r>
-            <a:r>
-              <a:rPr lang="en-IN" sz="2800" dirty="0"/>
-              <a:t>AWS EC2?</a:t>
+              <a:t>Type Of OS Support AWS EC2?</a:t>
             </a:r>
           </a:p>
           <a:p>
@@ -4364,43 +4277,14 @@
           <a:p>
             <a:r>
               <a:rPr lang="en-IN" sz="2800" dirty="0"/>
-              <a:t>Different </a:t>
-            </a:r>
-            <a:r>
-              <a:rPr lang="en-IN" sz="2800" dirty="0" smtClean="0"/>
-              <a:t>Ways </a:t>
-            </a:r>
+              <a:t>Different Ways To Create EC2?</a:t>
+            </a:r>
+          </a:p>
+          <a:p>
             <a:r>
               <a:rPr lang="en-IN" sz="2800" dirty="0"/>
-              <a:t>To </a:t>
-            </a:r>
-            <a:r>
-              <a:rPr lang="en-IN" sz="2800" dirty="0" smtClean="0"/>
-              <a:t>Create </a:t>
-            </a:r>
-            <a:r>
-              <a:rPr lang="en-IN" sz="2800" dirty="0"/>
-              <a:t>EC2?</a:t>
-            </a:r>
-          </a:p>
-          <a:p>
-            <a:r>
-              <a:rPr lang="en-IN" sz="2800" dirty="0"/>
-              <a:t>Use </a:t>
-            </a:r>
-            <a:r>
-              <a:rPr lang="en-IN" sz="2800" dirty="0" smtClean="0"/>
-              <a:t>Full </a:t>
-            </a:r>
-            <a:r>
-              <a:rPr lang="en-IN" sz="2800" dirty="0"/>
-              <a:t>L</a:t>
-            </a:r>
-            <a:r>
-              <a:rPr lang="en-IN" sz="2800" dirty="0" smtClean="0"/>
-              <a:t>inks</a:t>
-            </a:r>
-            <a:endParaRPr lang="en-IN" sz="2800" dirty="0"/>
+              <a:t>Use Full Links</a:t>
+            </a:r>
           </a:p>
           <a:p>
             <a:endParaRPr lang="en-IN" dirty="0"/>
@@ -4417,13 +4301,6 @@
   <p:clrMapOvr>
     <a:masterClrMapping/>
   </p:clrMapOvr>
-  <p:timing>
-    <p:tnLst>
-      <p:par>
-        <p:cTn id="1" dur="indefinite" restart="never" nodeType="tmRoot"/>
-      </p:par>
-    </p:tnLst>
-  </p:timing>
 </p:sld>
 </file>
 
@@ -4449,7 +4326,7 @@
           <p:cNvPr id="2" name="Title 1">
             <a:extLst>
               <a:ext uri="{FF2B5EF4-FFF2-40B4-BE49-F238E27FC236}">
-                <a16:creationId xmlns:a16="http://schemas.microsoft.com/office/drawing/2014/main" xmlns="" id="{F2153DD3-C27C-457D-ADDD-066D01CB95CA}"/>
+                <a16:creationId xmlns:a16="http://schemas.microsoft.com/office/drawing/2014/main" id="{F2153DD3-C27C-457D-ADDD-066D01CB95CA}"/>
               </a:ext>
             </a:extLst>
           </p:cNvPr>
@@ -4474,37 +4351,18 @@
               <a:rPr lang="en-IN" dirty="0">
                 <a:latin typeface="Rockwell" panose="02060603020205020403" pitchFamily="18" charset="0"/>
               </a:rPr>
-              <a:t>What </a:t>
+              <a:t>What Is a Cloud </a:t>
+            </a:r>
+            <a:r>
+              <a:rPr lang="en-IN" dirty="0"/>
+              <a:t>Computing</a:t>
             </a:r>
             <a:r>
               <a:rPr lang="en-IN" dirty="0">
                 <a:latin typeface="Rockwell" panose="02060603020205020403" pitchFamily="18" charset="0"/>
               </a:rPr>
-              <a:t>I</a:t>
-            </a:r>
-            <a:r>
-              <a:rPr lang="en-IN" dirty="0" smtClean="0">
-                <a:latin typeface="Rockwell" panose="02060603020205020403" pitchFamily="18" charset="0"/>
-              </a:rPr>
-              <a:t>s a Cloud </a:t>
-            </a:r>
-            <a:r>
-              <a:rPr lang="en-IN" dirty="0"/>
-              <a:t>C</a:t>
-            </a:r>
-            <a:r>
-              <a:rPr lang="en-IN" dirty="0" smtClean="0"/>
-              <a:t>omputing</a:t>
-            </a:r>
-            <a:r>
-              <a:rPr lang="en-IN" dirty="0" smtClean="0">
-                <a:latin typeface="Rockwell" panose="02060603020205020403" pitchFamily="18" charset="0"/>
-              </a:rPr>
               <a:t>?</a:t>
             </a:r>
-            <a:endParaRPr lang="en-IN" dirty="0">
-              <a:latin typeface="Rockwell" panose="02060603020205020403" pitchFamily="18" charset="0"/>
-            </a:endParaRPr>
           </a:p>
         </p:txBody>
       </p:sp>
@@ -4513,7 +4371,7 @@
           <p:cNvPr id="5" name="Graphic 4" descr="Pencil">
             <a:extLst>
               <a:ext uri="{FF2B5EF4-FFF2-40B4-BE49-F238E27FC236}">
-                <a16:creationId xmlns:a16="http://schemas.microsoft.com/office/drawing/2014/main" xmlns="" id="{0A74E1BB-B1CA-413B-8313-F68AA049A917}"/>
+                <a16:creationId xmlns:a16="http://schemas.microsoft.com/office/drawing/2014/main" id="{0A74E1BB-B1CA-413B-8313-F68AA049A917}"/>
               </a:ext>
             </a:extLst>
           </p:cNvPr>
@@ -4526,7 +4384,7 @@
           <a:blip r:embed="rId2">
             <a:extLst>
               <a:ext uri="{96DAC541-7B7A-43D3-8B79-37D633B846F1}">
-                <asvg:svgBlip xmlns:asvg="http://schemas.microsoft.com/office/drawing/2016/SVG/main" xmlns="" r:embed="rId3"/>
+                <asvg:svgBlip xmlns:asvg="http://schemas.microsoft.com/office/drawing/2016/SVG/main" r:embed="rId3"/>
               </a:ext>
             </a:extLst>
           </a:blip>
@@ -4549,7 +4407,7 @@
           <p:cNvPr id="6" name="Content Placeholder 5">
             <a:extLst>
               <a:ext uri="{FF2B5EF4-FFF2-40B4-BE49-F238E27FC236}">
-                <a16:creationId xmlns:a16="http://schemas.microsoft.com/office/drawing/2014/main" xmlns="" id="{BAB7B5A9-6FA4-4EAC-80BD-9A409C660BD2}"/>
+                <a16:creationId xmlns:a16="http://schemas.microsoft.com/office/drawing/2014/main" id="{BAB7B5A9-6FA4-4EAC-80BD-9A409C660BD2}"/>
               </a:ext>
             </a:extLst>
           </p:cNvPr>
@@ -4568,17 +4426,13 @@
         </p:spPr>
         <p:txBody>
           <a:bodyPr>
-            <a:normAutofit fontScale="92500" lnSpcReduction="10000"/>
+            <a:normAutofit fontScale="92500" lnSpcReduction="20000"/>
           </a:bodyPr>
           <a:lstStyle/>
           <a:p>
             <a:r>
-              <a:rPr lang="en-IN" dirty="0" smtClean="0"/>
-              <a:t>Simplest </a:t>
-            </a:r>
-            <a:r>
               <a:rPr lang="en-IN" dirty="0"/>
-              <a:t>terms, cloud computing means storing and accessing data and programs over the Internet instead of your computer's hard drive. </a:t>
+              <a:t>Simplest terms, cloud computing means storing and accessing data and programs over the Internet instead of your computer's hard drive. </a:t>
             </a:r>
           </a:p>
           <a:p>
@@ -4604,7 +4458,6 @@
               <a:rPr lang="en-IN" dirty="0"/>
               <a:t>Examples :  </a:t>
             </a:r>
-            <a:endParaRPr lang="en-IN" dirty="0" smtClean="0"/>
           </a:p>
           <a:p>
             <a:pPr marL="45720" indent="0">
@@ -4626,12 +4479,8 @@
           </a:p>
           <a:p>
             <a:r>
-              <a:rPr lang="en-IN" dirty="0" smtClean="0"/>
-              <a:t>Cloud </a:t>
-            </a:r>
-            <a:r>
               <a:rPr lang="en-IN" dirty="0"/>
-              <a:t>is the most advance model of computing with three basic models. </a:t>
+              <a:t>Cloud is the most advance model of computing with three basic models. </a:t>
             </a:r>
             <a:r>
               <a:rPr lang="en-IN" dirty="0" err="1"/>
@@ -4655,13 +4504,8 @@
             </a:r>
             <a:r>
               <a:rPr lang="en-IN" dirty="0"/>
-              <a:t>.</a:t>
-            </a:r>
-            <a:r>
-              <a:rPr lang="en-IN" dirty="0" smtClean="0"/>
-              <a:t> </a:t>
-            </a:r>
-            <a:endParaRPr lang="en-IN" dirty="0"/>
+              <a:t>. </a:t>
+            </a:r>
           </a:p>
           <a:p>
             <a:pPr marL="45720" indent="0">
@@ -4675,7 +4519,7 @@
               <a:rPr lang="en-IN" dirty="0">
                 <a:hlinkClick r:id="rId4"/>
               </a:rPr>
-              <a:t>https://github.com/saddalaaws/awsservices/tree/master/docs</a:t>
+              <a:t>https://github.com/saddalaaws/awsservices/blob/master/docs/Image/cloudmanagement.jpg</a:t>
             </a:r>
             <a:endParaRPr lang="en-IN" dirty="0"/>
           </a:p>
@@ -4691,13 +4535,6 @@
   <p:clrMapOvr>
     <a:masterClrMapping/>
   </p:clrMapOvr>
-  <p:timing>
-    <p:tnLst>
-      <p:par>
-        <p:cTn id="1" dur="indefinite" restart="never" nodeType="tmRoot"/>
-      </p:par>
-    </p:tnLst>
-  </p:timing>
 </p:sld>
 </file>
 
@@ -4723,7 +4560,7 @@
           <p:cNvPr id="2" name="Title 1">
             <a:extLst>
               <a:ext uri="{FF2B5EF4-FFF2-40B4-BE49-F238E27FC236}">
-                <a16:creationId xmlns:a16="http://schemas.microsoft.com/office/drawing/2014/main" xmlns="" id="{F2153DD3-C27C-457D-ADDD-066D01CB95CA}"/>
+                <a16:creationId xmlns:a16="http://schemas.microsoft.com/office/drawing/2014/main" id="{F2153DD3-C27C-457D-ADDD-066D01CB95CA}"/>
               </a:ext>
             </a:extLst>
           </p:cNvPr>
@@ -4748,41 +4585,8 @@
               <a:rPr lang="en-IN" dirty="0">
                 <a:latin typeface="Rockwell" panose="02060603020205020403" pitchFamily="18" charset="0"/>
               </a:rPr>
-              <a:t>AWS Role </a:t>
-            </a:r>
-            <a:r>
-              <a:rPr lang="en-IN" dirty="0" smtClean="0">
-                <a:latin typeface="Rockwell" panose="02060603020205020403" pitchFamily="18" charset="0"/>
-              </a:rPr>
-              <a:t>In </a:t>
-            </a:r>
-            <a:r>
-              <a:rPr lang="en-IN" dirty="0" smtClean="0">
-                <a:latin typeface="Rockwell" panose="02060603020205020403" pitchFamily="18" charset="0"/>
-              </a:rPr>
-              <a:t>C</a:t>
-            </a:r>
-            <a:r>
-              <a:rPr lang="en-IN" dirty="0" smtClean="0">
-                <a:latin typeface="Rockwell" panose="02060603020205020403" pitchFamily="18" charset="0"/>
-              </a:rPr>
-              <a:t>loud </a:t>
-            </a:r>
-            <a:r>
-              <a:rPr lang="en-IN" dirty="0">
-                <a:latin typeface="Rockwell" panose="02060603020205020403" pitchFamily="18" charset="0"/>
-              </a:rPr>
-              <a:t>Computing</a:t>
-            </a:r>
-            <a:r>
-              <a:rPr lang="en-IN" dirty="0" smtClean="0">
-                <a:latin typeface="Rockwell" panose="02060603020205020403" pitchFamily="18" charset="0"/>
-              </a:rPr>
-              <a:t>?</a:t>
-            </a:r>
-            <a:endParaRPr lang="en-IN" dirty="0">
-              <a:latin typeface="Rockwell" panose="02060603020205020403" pitchFamily="18" charset="0"/>
-            </a:endParaRPr>
+              <a:t>AWS Role In Cloud Computing?</a:t>
+            </a:r>
           </a:p>
         </p:txBody>
       </p:sp>
@@ -4791,7 +4595,7 @@
           <p:cNvPr id="5" name="Graphic 4" descr="Pencil">
             <a:extLst>
               <a:ext uri="{FF2B5EF4-FFF2-40B4-BE49-F238E27FC236}">
-                <a16:creationId xmlns:a16="http://schemas.microsoft.com/office/drawing/2014/main" xmlns="" id="{0A74E1BB-B1CA-413B-8313-F68AA049A917}"/>
+                <a16:creationId xmlns:a16="http://schemas.microsoft.com/office/drawing/2014/main" id="{0A74E1BB-B1CA-413B-8313-F68AA049A917}"/>
               </a:ext>
             </a:extLst>
           </p:cNvPr>
@@ -4804,7 +4608,7 @@
           <a:blip r:embed="rId2">
             <a:extLst>
               <a:ext uri="{96DAC541-7B7A-43D3-8B79-37D633B846F1}">
-                <asvg:svgBlip xmlns:asvg="http://schemas.microsoft.com/office/drawing/2016/SVG/main" xmlns="" r:embed="rId3"/>
+                <asvg:svgBlip xmlns:asvg="http://schemas.microsoft.com/office/drawing/2016/SVG/main" r:embed="rId3"/>
               </a:ext>
             </a:extLst>
           </a:blip>
@@ -4827,7 +4631,7 @@
           <p:cNvPr id="6" name="Content Placeholder 5">
             <a:extLst>
               <a:ext uri="{FF2B5EF4-FFF2-40B4-BE49-F238E27FC236}">
-                <a16:creationId xmlns:a16="http://schemas.microsoft.com/office/drawing/2014/main" xmlns="" id="{BAB7B5A9-6FA4-4EAC-80BD-9A409C660BD2}"/>
+                <a16:creationId xmlns:a16="http://schemas.microsoft.com/office/drawing/2014/main" id="{BAB7B5A9-6FA4-4EAC-80BD-9A409C660BD2}"/>
               </a:ext>
             </a:extLst>
           </p:cNvPr>
@@ -4854,7 +4658,6 @@
               <a:rPr lang="en-IN" dirty="0"/>
               <a:t>Amazon web service is a platform that offers flexible, reliable, scalable, easy-to-use and cost-effective cloud computing solutions.</a:t>
             </a:r>
-            <a:endParaRPr lang="en-IN" dirty="0"/>
           </a:p>
           <a:p>
             <a:r>
@@ -4883,11 +4686,7 @@
             </a:r>
             <a:r>
               <a:rPr lang="en-IN" dirty="0"/>
-              <a:t>) offerings</a:t>
-            </a:r>
-            <a:r>
-              <a:rPr lang="en-IN" dirty="0" smtClean="0"/>
-              <a:t>.</a:t>
+              <a:t>) offerings.</a:t>
             </a:r>
           </a:p>
           <a:p>
@@ -4895,7 +4694,6 @@
               <a:rPr lang="en-IN" dirty="0"/>
               <a:t>Amazon Web Services offers a wide range of different business purpose global cloud-based products. The products include storage, databases, analytics, networking, mobile, development tools, enterprise applications, with a pay-as-you-go pricing model</a:t>
             </a:r>
-            <a:endParaRPr lang="en-IN" dirty="0"/>
           </a:p>
           <a:p>
             <a:r>
@@ -4981,7 +4779,7 @@
             </a:r>
           </a:p>
           <a:p>
-            <a:endParaRPr lang="en-IN" dirty="0" smtClean="0"/>
+            <a:endParaRPr lang="en-IN" dirty="0"/>
           </a:p>
         </p:txBody>
       </p:sp>
@@ -4995,13 +4793,6 @@
   <p:clrMapOvr>
     <a:masterClrMapping/>
   </p:clrMapOvr>
-  <p:timing>
-    <p:tnLst>
-      <p:par>
-        <p:cTn id="1" dur="indefinite" restart="never" nodeType="tmRoot"/>
-      </p:par>
-    </p:tnLst>
-  </p:timing>
 </p:sld>
 </file>
 
@@ -5027,7 +4818,7 @@
           <p:cNvPr id="2" name="Title 1">
             <a:extLst>
               <a:ext uri="{FF2B5EF4-FFF2-40B4-BE49-F238E27FC236}">
-                <a16:creationId xmlns:a16="http://schemas.microsoft.com/office/drawing/2014/main" xmlns="" id="{F2153DD3-C27C-457D-ADDD-066D01CB95CA}"/>
+                <a16:creationId xmlns:a16="http://schemas.microsoft.com/office/drawing/2014/main" id="{F2153DD3-C27C-457D-ADDD-066D01CB95CA}"/>
               </a:ext>
             </a:extLst>
           </p:cNvPr>
@@ -5054,29 +4845,8 @@
               <a:rPr lang="en-IN" dirty="0">
                 <a:latin typeface="Rockwell" panose="02060603020205020403" pitchFamily="18" charset="0"/>
               </a:rPr>
-              <a:t>What Is EC2 ,Why Do We Need </a:t>
-            </a:r>
-            <a:r>
-              <a:rPr lang="en-IN" dirty="0" smtClean="0">
-                <a:latin typeface="Rockwell" panose="02060603020205020403" pitchFamily="18" charset="0"/>
-              </a:rPr>
-              <a:t>EC2 and How </a:t>
-            </a:r>
-            <a:r>
-              <a:rPr lang="en-IN" dirty="0">
-                <a:latin typeface="Rockwell" panose="02060603020205020403" pitchFamily="18" charset="0"/>
-              </a:rPr>
-              <a:t>it will be Useful </a:t>
-            </a:r>
-            <a:r>
-              <a:rPr lang="en-IN" dirty="0" smtClean="0">
-                <a:latin typeface="Rockwell" panose="02060603020205020403" pitchFamily="18" charset="0"/>
-              </a:rPr>
-              <a:t>?</a:t>
-            </a:r>
-            <a:endParaRPr lang="en-IN" dirty="0">
-              <a:latin typeface="Rockwell" panose="02060603020205020403" pitchFamily="18" charset="0"/>
-            </a:endParaRPr>
+              <a:t>What Is EC2 ,Why Do We Need EC2 and How it will be Useful ?</a:t>
+            </a:r>
           </a:p>
         </p:txBody>
       </p:sp>
@@ -5085,7 +4855,7 @@
           <p:cNvPr id="5" name="Graphic 4" descr="Pencil">
             <a:extLst>
               <a:ext uri="{FF2B5EF4-FFF2-40B4-BE49-F238E27FC236}">
-                <a16:creationId xmlns:a16="http://schemas.microsoft.com/office/drawing/2014/main" xmlns="" id="{0A74E1BB-B1CA-413B-8313-F68AA049A917}"/>
+                <a16:creationId xmlns:a16="http://schemas.microsoft.com/office/drawing/2014/main" id="{0A74E1BB-B1CA-413B-8313-F68AA049A917}"/>
               </a:ext>
             </a:extLst>
           </p:cNvPr>
@@ -5098,7 +4868,7 @@
           <a:blip r:embed="rId2">
             <a:extLst>
               <a:ext uri="{96DAC541-7B7A-43D3-8B79-37D633B846F1}">
-                <asvg:svgBlip xmlns:asvg="http://schemas.microsoft.com/office/drawing/2016/SVG/main" xmlns="" r:embed="rId3"/>
+                <asvg:svgBlip xmlns:asvg="http://schemas.microsoft.com/office/drawing/2016/SVG/main" r:embed="rId3"/>
               </a:ext>
             </a:extLst>
           </a:blip>
@@ -5121,7 +4891,7 @@
           <p:cNvPr id="6" name="Content Placeholder 5">
             <a:extLst>
               <a:ext uri="{FF2B5EF4-FFF2-40B4-BE49-F238E27FC236}">
-                <a16:creationId xmlns:a16="http://schemas.microsoft.com/office/drawing/2014/main" xmlns="" id="{BAB7B5A9-6FA4-4EAC-80BD-9A409C660BD2}"/>
+                <a16:creationId xmlns:a16="http://schemas.microsoft.com/office/drawing/2014/main" id="{BAB7B5A9-6FA4-4EAC-80BD-9A409C660BD2}"/>
               </a:ext>
             </a:extLst>
           </p:cNvPr>
@@ -5145,16 +4915,8 @@
           <a:lstStyle/>
           <a:p>
             <a:r>
-              <a:rPr lang="en-IN" dirty="0" smtClean="0"/>
-              <a:t>EC2 is one of the AWS service and </a:t>
-            </a:r>
-            <a:r>
-              <a:rPr lang="en-IN" dirty="0" smtClean="0"/>
-              <a:t>It </a:t>
-            </a:r>
-            <a:r>
               <a:rPr lang="en-IN" dirty="0"/>
-              <a:t>stands for</a:t>
+              <a:t>EC2 is one of the AWS service and It stands for</a:t>
             </a:r>
             <a:r>
               <a:rPr lang="en-IN" b="1" dirty="0"/>
@@ -5162,85 +4924,25 @@
             </a:r>
             <a:r>
               <a:rPr lang="en-IN" dirty="0"/>
-              <a:t> It is a web service where an AWS subscriber can request and provision a compute server in AWS cloud</a:t>
-            </a:r>
-            <a:r>
-              <a:rPr lang="en-IN" dirty="0" smtClean="0"/>
-              <a:t>.</a:t>
+              <a:t> It is a web service where an AWS subscriber can request and provision a compute server in AWS cloud.</a:t>
             </a:r>
           </a:p>
           <a:p>
             <a:r>
               <a:rPr lang="en-IN" dirty="0"/>
-              <a:t>O</a:t>
-            </a:r>
-            <a:r>
-              <a:rPr lang="en-IN" dirty="0" smtClean="0"/>
-              <a:t>n-demand</a:t>
-            </a:r>
+              <a:t>On-demand EC2 instance, Launch applications when needed without upfront commitments.</a:t>
+            </a:r>
+          </a:p>
+          <a:p>
             <a:r>
               <a:rPr lang="en-IN" dirty="0"/>
-              <a:t> </a:t>
-            </a:r>
-            <a:r>
-              <a:rPr lang="en-IN" dirty="0" smtClean="0"/>
-              <a:t>EC2 instance,</a:t>
-            </a:r>
+              <a:t> Secure and resizable compute capacity( CPU, Storage, Memory and other networking capacities.) in the cloud .</a:t>
+            </a:r>
+          </a:p>
+          <a:p>
             <a:r>
               <a:rPr lang="en-IN" dirty="0"/>
-              <a:t> Launch applications when needed without upfront commitments.</a:t>
-            </a:r>
-          </a:p>
-          <a:p>
-            <a:r>
-              <a:rPr lang="en-IN" dirty="0"/>
-              <a:t> </a:t>
-            </a:r>
-            <a:r>
-              <a:rPr lang="en-IN" dirty="0" smtClean="0"/>
-              <a:t>Secure </a:t>
-            </a:r>
-            <a:r>
-              <a:rPr lang="en-IN" dirty="0"/>
-              <a:t>and resizable compute </a:t>
-            </a:r>
-            <a:r>
-              <a:rPr lang="en-IN" dirty="0" smtClean="0"/>
-              <a:t>capacity(</a:t>
-            </a:r>
-            <a:r>
-              <a:rPr lang="en-IN" dirty="0"/>
-              <a:t> CPU, Storage, Memory and other networking capacities</a:t>
-            </a:r>
-            <a:r>
-              <a:rPr lang="en-IN" dirty="0" smtClean="0"/>
-              <a:t>.) </a:t>
-            </a:r>
-            <a:r>
-              <a:rPr lang="en-IN" dirty="0"/>
-              <a:t>in the </a:t>
-            </a:r>
-            <a:r>
-              <a:rPr lang="en-IN" dirty="0" smtClean="0"/>
-              <a:t>cloud</a:t>
-            </a:r>
-            <a:r>
-              <a:rPr lang="en-IN" dirty="0"/>
-              <a:t> </a:t>
-            </a:r>
-            <a:r>
-              <a:rPr lang="en-IN" dirty="0" smtClean="0"/>
-              <a:t>.</a:t>
-            </a:r>
-          </a:p>
-          <a:p>
-            <a:r>
-              <a:rPr lang="en-IN" dirty="0" smtClean="0"/>
-              <a:t>Offers 89 </a:t>
-            </a:r>
-            <a:r>
-              <a:rPr lang="en-IN" dirty="0"/>
-              <a:t>security standards and compliance certifications including PCI-DSS, HIPAA/HITECH, </a:t>
+              <a:t>Offers 89 security standards and compliance certifications including PCI-DSS, HIPAA/HITECH, </a:t>
             </a:r>
             <a:r>
               <a:rPr lang="en-IN" dirty="0" err="1"/>
@@ -5248,31 +4950,19 @@
             </a:r>
             <a:r>
               <a:rPr lang="en-IN" dirty="0"/>
-              <a:t>, GDPR, FIPS 140-2, and NIST 800-171</a:t>
-            </a:r>
-            <a:r>
-              <a:rPr lang="en-IN" dirty="0" smtClean="0"/>
-              <a:t>.</a:t>
-            </a:r>
-          </a:p>
-          <a:p>
-            <a:r>
-              <a:rPr lang="en-IN" dirty="0" smtClean="0"/>
+              <a:t>, GDPR, FIPS 140-2, and NIST 800-171.</a:t>
+            </a:r>
+          </a:p>
+          <a:p>
+            <a:r>
+              <a:rPr lang="en-IN" dirty="0"/>
               <a:t>charged per hour</a:t>
             </a:r>
           </a:p>
           <a:p>
             <a:r>
-              <a:rPr lang="en-IN" dirty="0" smtClean="0"/>
-              <a:t>22</a:t>
-            </a:r>
-            <a:r>
               <a:rPr lang="en-IN" dirty="0"/>
-              <a:t> regions and 69 availability zones </a:t>
-            </a:r>
-            <a:r>
-              <a:rPr lang="en-IN" dirty="0" smtClean="0"/>
-              <a:t>globally</a:t>
+              <a:t>22 regions and 69 availability zones globally</a:t>
             </a:r>
           </a:p>
           <a:p>
@@ -5280,7 +4970,6 @@
               <a:rPr lang="en-IN" dirty="0"/>
               <a:t>SLA commitment of 99.99% availability for each Amazon EC2 region.</a:t>
             </a:r>
-            <a:endParaRPr lang="en-IN" dirty="0"/>
           </a:p>
         </p:txBody>
       </p:sp>
@@ -5294,13 +4983,6 @@
   <p:clrMapOvr>
     <a:masterClrMapping/>
   </p:clrMapOvr>
-  <p:timing>
-    <p:tnLst>
-      <p:par>
-        <p:cTn id="1" dur="indefinite" restart="never" nodeType="tmRoot"/>
-      </p:par>
-    </p:tnLst>
-  </p:timing>
 </p:sld>
 </file>
 
@@ -5326,7 +5008,7 @@
           <p:cNvPr id="2" name="Title 1">
             <a:extLst>
               <a:ext uri="{FF2B5EF4-FFF2-40B4-BE49-F238E27FC236}">
-                <a16:creationId xmlns:a16="http://schemas.microsoft.com/office/drawing/2014/main" xmlns="" id="{F2153DD3-C27C-457D-ADDD-066D01CB95CA}"/>
+                <a16:creationId xmlns:a16="http://schemas.microsoft.com/office/drawing/2014/main" id="{F2153DD3-C27C-457D-ADDD-066D01CB95CA}"/>
               </a:ext>
             </a:extLst>
           </p:cNvPr>
@@ -5351,31 +5033,7 @@
               <a:rPr lang="en-IN" dirty="0">
                 <a:latin typeface="Rockwell" panose="02060603020205020403" pitchFamily="18" charset="0"/>
               </a:rPr>
-              <a:t>Type </a:t>
-            </a:r>
-            <a:r>
-              <a:rPr lang="en-IN" dirty="0" smtClean="0">
-                <a:latin typeface="Rockwell" panose="02060603020205020403" pitchFamily="18" charset="0"/>
-              </a:rPr>
-              <a:t>Of </a:t>
-            </a:r>
-            <a:r>
-              <a:rPr lang="en-IN" dirty="0">
-                <a:latin typeface="Rockwell" panose="02060603020205020403" pitchFamily="18" charset="0"/>
-              </a:rPr>
-              <a:t>OS </a:t>
-            </a:r>
-            <a:r>
-              <a:rPr lang="en-IN" dirty="0" smtClean="0">
-                <a:latin typeface="Rockwell" panose="02060603020205020403" pitchFamily="18" charset="0"/>
-              </a:rPr>
-              <a:t>Support </a:t>
-            </a:r>
-            <a:r>
-              <a:rPr lang="en-IN" dirty="0">
-                <a:latin typeface="Rockwell" panose="02060603020205020403" pitchFamily="18" charset="0"/>
-              </a:rPr>
-              <a:t>AWS EC2?</a:t>
+              <a:t>Type Of OS Support AWS EC2?</a:t>
             </a:r>
           </a:p>
         </p:txBody>
@@ -5385,7 +5043,7 @@
           <p:cNvPr id="5" name="Graphic 4" descr="Pencil">
             <a:extLst>
               <a:ext uri="{FF2B5EF4-FFF2-40B4-BE49-F238E27FC236}">
-                <a16:creationId xmlns:a16="http://schemas.microsoft.com/office/drawing/2014/main" xmlns="" id="{0A74E1BB-B1CA-413B-8313-F68AA049A917}"/>
+                <a16:creationId xmlns:a16="http://schemas.microsoft.com/office/drawing/2014/main" id="{0A74E1BB-B1CA-413B-8313-F68AA049A917}"/>
               </a:ext>
             </a:extLst>
           </p:cNvPr>
@@ -5398,7 +5056,7 @@
           <a:blip r:embed="rId2">
             <a:extLst>
               <a:ext uri="{96DAC541-7B7A-43D3-8B79-37D633B846F1}">
-                <asvg:svgBlip xmlns:asvg="http://schemas.microsoft.com/office/drawing/2016/SVG/main" xmlns="" r:embed="rId3"/>
+                <asvg:svgBlip xmlns:asvg="http://schemas.microsoft.com/office/drawing/2016/SVG/main" r:embed="rId3"/>
               </a:ext>
             </a:extLst>
           </a:blip>
@@ -5421,7 +5079,7 @@
           <p:cNvPr id="6" name="Content Placeholder 5">
             <a:extLst>
               <a:ext uri="{FF2B5EF4-FFF2-40B4-BE49-F238E27FC236}">
-                <a16:creationId xmlns:a16="http://schemas.microsoft.com/office/drawing/2014/main" xmlns="" id="{BAB7B5A9-6FA4-4EAC-80BD-9A409C660BD2}"/>
+                <a16:creationId xmlns:a16="http://schemas.microsoft.com/office/drawing/2014/main" id="{BAB7B5A9-6FA4-4EAC-80BD-9A409C660BD2}"/>
               </a:ext>
             </a:extLst>
           </p:cNvPr>
@@ -5462,11 +5120,7 @@
             </a:pPr>
             <a:r>
               <a:rPr lang="en-IN" b="1" dirty="0"/>
-              <a:t> </a:t>
-            </a:r>
-            <a:r>
-              <a:rPr lang="en-IN" b="1" dirty="0" smtClean="0"/>
-              <a:t>   Ubuntu Server</a:t>
+              <a:t>    Ubuntu Server</a:t>
             </a:r>
           </a:p>
           <a:p>
@@ -5475,7 +5129,7 @@
               <a:buChar char="v"/>
             </a:pPr>
             <a:r>
-              <a:rPr lang="de-DE" b="1" dirty="0" smtClean="0"/>
+              <a:rPr lang="de-DE" b="1" dirty="0"/>
               <a:t>    Red Hat Enterprise Linux (RHEL)</a:t>
             </a:r>
           </a:p>
@@ -5485,7 +5139,7 @@
               <a:buChar char="v"/>
             </a:pPr>
             <a:r>
-              <a:rPr lang="en-IN" b="1" dirty="0" smtClean="0"/>
+              <a:rPr lang="en-IN" b="1" dirty="0"/>
               <a:t>    Oracle Linux</a:t>
             </a:r>
           </a:p>
@@ -5495,22 +5149,17 @@
               <a:buChar char="v"/>
             </a:pPr>
             <a:r>
-              <a:rPr lang="en-IN" b="1" dirty="0" smtClean="0"/>
+              <a:rPr lang="en-IN" b="1" dirty="0"/>
               <a:t>    </a:t>
             </a:r>
             <a:r>
-              <a:rPr lang="en-IN" b="1" dirty="0" err="1" smtClean="0"/>
+              <a:rPr lang="en-IN" b="1" dirty="0" err="1"/>
               <a:t>Debian</a:t>
             </a:r>
             <a:r>
-              <a:rPr lang="en-IN" b="1" dirty="0" smtClean="0"/>
-              <a:t> </a:t>
-            </a:r>
-            <a:r>
               <a:rPr lang="en-IN" b="1" dirty="0"/>
-              <a:t>Server</a:t>
-            </a:r>
-            <a:endParaRPr lang="en-IN" b="1" dirty="0" smtClean="0"/>
+              <a:t> Server</a:t>
+            </a:r>
           </a:p>
           <a:p>
             <a:pPr>
@@ -5519,40 +5168,24 @@
             </a:pPr>
             <a:r>
               <a:rPr lang="en-IN" b="1" dirty="0"/>
-              <a:t> </a:t>
-            </a:r>
-            <a:r>
-              <a:rPr lang="en-IN" b="1" dirty="0" smtClean="0"/>
-              <a:t>   Amazon </a:t>
-            </a:r>
+              <a:t>    Amazon Linux 2..etc</a:t>
+            </a:r>
+          </a:p>
+          <a:p>
             <a:r>
               <a:rPr lang="en-IN" b="1" dirty="0"/>
-              <a:t>Linux </a:t>
-            </a:r>
-            <a:r>
-              <a:rPr lang="en-IN" b="1" dirty="0" smtClean="0"/>
-              <a:t>2..etc</a:t>
-            </a:r>
-          </a:p>
-          <a:p>
-            <a:r>
-              <a:rPr lang="en-IN" b="1" dirty="0" smtClean="0"/>
               <a:t>CentOS</a:t>
             </a:r>
           </a:p>
           <a:p>
             <a:r>
               <a:rPr lang="fr-FR" b="1" dirty="0"/>
-              <a:t>SUSE Linux Enterprise Server (SLES</a:t>
-            </a:r>
-            <a:r>
-              <a:rPr lang="fr-FR" b="1" dirty="0" smtClean="0"/>
-              <a:t>)</a:t>
-            </a:r>
-          </a:p>
-          <a:p>
-            <a:r>
-              <a:rPr lang="en-IN" b="1" dirty="0" smtClean="0"/>
+              <a:t>SUSE Linux Enterprise Server (SLES)</a:t>
+            </a:r>
+          </a:p>
+          <a:p>
+            <a:r>
+              <a:rPr lang="en-IN" b="1" dirty="0"/>
               <a:t>Raspbian</a:t>
             </a:r>
           </a:p>
@@ -5561,7 +5194,7 @@
               <a:buNone/>
             </a:pPr>
             <a:r>
-              <a:rPr lang="en-IN" b="1" dirty="0" smtClean="0"/>
+              <a:rPr lang="en-IN" b="1" dirty="0"/>
               <a:t>Note : For more details please see the link</a:t>
             </a:r>
           </a:p>
@@ -5573,11 +5206,8 @@
               <a:rPr lang="en-IN" dirty="0">
                 <a:hlinkClick r:id="rId4"/>
               </a:rPr>
-              <a:t>https://github.com/saddalaaws/awsservices/tree/master/docs</a:t>
-            </a:r>
-            <a:endParaRPr lang="en-IN" b="1" dirty="0" smtClean="0"/>
-          </a:p>
-          <a:p>
+              <a:t>https://github.com/saddalaaws/awsservices/blob/master/docs/PDF/awsossupport.pdf</a:t>
+            </a:r>
             <a:endParaRPr lang="en-IN" b="1" dirty="0"/>
           </a:p>
           <a:p>
@@ -5595,13 +5225,6 @@
   <p:clrMapOvr>
     <a:masterClrMapping/>
   </p:clrMapOvr>
-  <p:timing>
-    <p:tnLst>
-      <p:par>
-        <p:cTn id="1" dur="indefinite" restart="never" nodeType="tmRoot"/>
-      </p:par>
-    </p:tnLst>
-  </p:timing>
 </p:sld>
 </file>
 
@@ -5627,7 +5250,7 @@
           <p:cNvPr id="2" name="Title 1">
             <a:extLst>
               <a:ext uri="{FF2B5EF4-FFF2-40B4-BE49-F238E27FC236}">
-                <a16:creationId xmlns:a16="http://schemas.microsoft.com/office/drawing/2014/main" xmlns="" id="{F2153DD3-C27C-457D-ADDD-066D01CB95CA}"/>
+                <a16:creationId xmlns:a16="http://schemas.microsoft.com/office/drawing/2014/main" id="{F2153DD3-C27C-457D-ADDD-066D01CB95CA}"/>
               </a:ext>
             </a:extLst>
           </p:cNvPr>
@@ -5652,19 +5275,7 @@
               <a:rPr lang="en-IN" dirty="0">
                 <a:latin typeface="Rockwell" panose="02060603020205020403" pitchFamily="18" charset="0"/>
               </a:rPr>
-              <a:t>How To Create EC2 </a:t>
-            </a:r>
-            <a:r>
-              <a:rPr lang="en-IN" dirty="0" smtClean="0">
-                <a:latin typeface="Rockwell" panose="02060603020205020403" pitchFamily="18" charset="0"/>
-              </a:rPr>
-              <a:t> and Different </a:t>
-            </a:r>
-            <a:r>
-              <a:rPr lang="en-IN" dirty="0">
-                <a:latin typeface="Rockwell" panose="02060603020205020403" pitchFamily="18" charset="0"/>
-              </a:rPr>
-              <a:t>ways To create EC2?</a:t>
+              <a:t>How To Create EC2  and Different ways To create EC2?</a:t>
             </a:r>
           </a:p>
         </p:txBody>
@@ -5674,7 +5285,7 @@
           <p:cNvPr id="5" name="Graphic 4" descr="Pencil">
             <a:extLst>
               <a:ext uri="{FF2B5EF4-FFF2-40B4-BE49-F238E27FC236}">
-                <a16:creationId xmlns:a16="http://schemas.microsoft.com/office/drawing/2014/main" xmlns="" id="{0A74E1BB-B1CA-413B-8313-F68AA049A917}"/>
+                <a16:creationId xmlns:a16="http://schemas.microsoft.com/office/drawing/2014/main" id="{0A74E1BB-B1CA-413B-8313-F68AA049A917}"/>
               </a:ext>
             </a:extLst>
           </p:cNvPr>
@@ -5687,7 +5298,7 @@
           <a:blip r:embed="rId2">
             <a:extLst>
               <a:ext uri="{96DAC541-7B7A-43D3-8B79-37D633B846F1}">
-                <asvg:svgBlip xmlns:asvg="http://schemas.microsoft.com/office/drawing/2016/SVG/main" xmlns="" r:embed="rId3"/>
+                <asvg:svgBlip xmlns:asvg="http://schemas.microsoft.com/office/drawing/2016/SVG/main" r:embed="rId3"/>
               </a:ext>
             </a:extLst>
           </a:blip>
@@ -5710,7 +5321,7 @@
           <p:cNvPr id="6" name="Content Placeholder 5">
             <a:extLst>
               <a:ext uri="{FF2B5EF4-FFF2-40B4-BE49-F238E27FC236}">
-                <a16:creationId xmlns:a16="http://schemas.microsoft.com/office/drawing/2014/main" xmlns="" id="{BAB7B5A9-6FA4-4EAC-80BD-9A409C660BD2}"/>
+                <a16:creationId xmlns:a16="http://schemas.microsoft.com/office/drawing/2014/main" id="{BAB7B5A9-6FA4-4EAC-80BD-9A409C660BD2}"/>
               </a:ext>
             </a:extLst>
           </p:cNvPr>
@@ -5732,35 +5343,33 @@
           <a:lstStyle/>
           <a:p>
             <a:r>
-              <a:rPr lang="en-IN" dirty="0" smtClean="0"/>
+              <a:rPr lang="en-IN" dirty="0"/>
               <a:t>Cloud formation template (CFT)</a:t>
             </a:r>
           </a:p>
           <a:p>
             <a:r>
-              <a:rPr lang="en-IN" dirty="0" smtClean="0"/>
+              <a:rPr lang="en-IN" dirty="0"/>
               <a:t>AWS console or AWS User interface </a:t>
             </a:r>
           </a:p>
           <a:p>
             <a:r>
-              <a:rPr lang="en-IN" dirty="0" smtClean="0"/>
+              <a:rPr lang="en-IN" dirty="0"/>
               <a:t>Lambda Function.</a:t>
             </a:r>
           </a:p>
           <a:p>
             <a:r>
-              <a:rPr lang="en-IN" dirty="0" smtClean="0"/>
+              <a:rPr lang="en-IN" dirty="0"/>
               <a:t>Through Command prompt.</a:t>
             </a:r>
-            <a:endParaRPr lang="en-IN" dirty="0" smtClean="0"/>
-          </a:p>
-          <a:p>
-            <a:r>
-              <a:rPr lang="en-IN" dirty="0" smtClean="0"/>
+          </a:p>
+          <a:p>
+            <a:r>
+              <a:rPr lang="en-IN" dirty="0"/>
               <a:t>Terraform.</a:t>
             </a:r>
-            <a:endParaRPr lang="en-IN" dirty="0"/>
           </a:p>
         </p:txBody>
       </p:sp>
@@ -5774,13 +5383,6 @@
   <p:clrMapOvr>
     <a:masterClrMapping/>
   </p:clrMapOvr>
-  <p:timing>
-    <p:tnLst>
-      <p:par>
-        <p:cTn id="1" dur="indefinite" restart="never" nodeType="tmRoot"/>
-      </p:par>
-    </p:tnLst>
-  </p:timing>
 </p:sld>
 </file>
 
@@ -5806,7 +5408,7 @@
           <p:cNvPr id="2" name="Title 1">
             <a:extLst>
               <a:ext uri="{FF2B5EF4-FFF2-40B4-BE49-F238E27FC236}">
-                <a16:creationId xmlns:a16="http://schemas.microsoft.com/office/drawing/2014/main" xmlns="" id="{D7C21B2A-0096-4518-9460-B2858021501D}"/>
+                <a16:creationId xmlns:a16="http://schemas.microsoft.com/office/drawing/2014/main" id="{D7C21B2A-0096-4518-9460-B2858021501D}"/>
               </a:ext>
             </a:extLst>
           </p:cNvPr>
@@ -5836,7 +5438,7 @@
           <p:cNvPr id="3" name="Content Placeholder 2">
             <a:extLst>
               <a:ext uri="{FF2B5EF4-FFF2-40B4-BE49-F238E27FC236}">
-                <a16:creationId xmlns:a16="http://schemas.microsoft.com/office/drawing/2014/main" xmlns="" id="{2AB0E53E-5275-48CD-B124-0A98D5C05882}"/>
+                <a16:creationId xmlns:a16="http://schemas.microsoft.com/office/drawing/2014/main" id="{2AB0E53E-5275-48CD-B124-0A98D5C05882}"/>
               </a:ext>
             </a:extLst>
           </p:cNvPr>
@@ -5852,22 +5454,16 @@
           <a:bodyPr/>
           <a:lstStyle/>
           <a:p>
-            <a:endParaRPr lang="en-IN" dirty="0" smtClean="0"/>
+            <a:endParaRPr lang="en-IN" dirty="0"/>
           </a:p>
           <a:p>
             <a:r>
               <a:rPr lang="en-IN" u="sng" dirty="0">
                 <a:hlinkClick r:id="rId2"/>
               </a:rPr>
-              <a:t>https://saddalaaws.github.io/awsservices</a:t>
-            </a:r>
-            <a:r>
-              <a:rPr lang="en-IN" u="sng" dirty="0" smtClean="0">
-                <a:hlinkClick r:id="rId2"/>
-              </a:rPr>
-              <a:t>/</a:t>
-            </a:r>
-            <a:endParaRPr lang="en-IN" u="sng" dirty="0" smtClean="0"/>
+              <a:t>https://saddalaaws.github.io/awsservices/</a:t>
+            </a:r>
+            <a:endParaRPr lang="en-IN" u="sng" dirty="0"/>
           </a:p>
           <a:p>
             <a:r>
@@ -5890,13 +5486,6 @@
   <p:clrMapOvr>
     <a:masterClrMapping/>
   </p:clrMapOvr>
-  <p:timing>
-    <p:tnLst>
-      <p:par>
-        <p:cTn id="1" dur="indefinite" restart="never" nodeType="tmRoot"/>
-      </p:par>
-    </p:tnLst>
-  </p:timing>
 </p:sld>
 </file>
 
@@ -5922,7 +5511,7 @@
           <p:cNvPr id="3" name="Content Placeholder 2">
             <a:extLst>
               <a:ext uri="{FF2B5EF4-FFF2-40B4-BE49-F238E27FC236}">
-                <a16:creationId xmlns:a16="http://schemas.microsoft.com/office/drawing/2014/main" xmlns="" id="{923354E8-8CE5-4008-8855-20E383634697}"/>
+                <a16:creationId xmlns:a16="http://schemas.microsoft.com/office/drawing/2014/main" id="{923354E8-8CE5-4008-8855-20E383634697}"/>
               </a:ext>
             </a:extLst>
           </p:cNvPr>
@@ -5967,13 +5556,6 @@
   <p:clrMapOvr>
     <a:masterClrMapping/>
   </p:clrMapOvr>
-  <p:timing>
-    <p:tnLst>
-      <p:par>
-        <p:cTn id="1" dur="indefinite" restart="never" nodeType="tmRoot"/>
-      </p:par>
-    </p:tnLst>
-  </p:timing>
 </p:sld>
 </file>
 
@@ -6208,7 +5790,7 @@
   <a:extraClrSchemeLst/>
   <a:extLst>
     <a:ext uri="{05A4C25C-085E-4340-85A3-A5531E510DB2}">
-      <thm15:themeFamily xmlns:thm15="http://schemas.microsoft.com/office/thememl/2012/main" xmlns="" name="TF55885775_Student does teacher does_v2.potx" id="{618315E5-C348-40CF-AD40-05C2F7C13378}" vid="{0C991BBE-F1C3-4926-9687-DBEAAE8C9238}"/>
+      <thm15:themeFamily xmlns:thm15="http://schemas.microsoft.com/office/thememl/2012/main" name="TF55885775_Student does teacher does_v2.potx" id="{618315E5-C348-40CF-AD40-05C2F7C13378}" vid="{0C991BBE-F1C3-4926-9687-DBEAAE8C9238}"/>
     </a:ext>
   </a:extLst>
 </a:theme>
@@ -6503,7 +6085,7 @@
   <a:extraClrSchemeLst/>
   <a:extLst>
     <a:ext uri="{05A4C25C-085E-4340-85A3-A5531E510DB2}">
-      <thm15:themeFamily xmlns:thm15="http://schemas.microsoft.com/office/thememl/2012/main" xmlns="" name="Office Theme" id="{62F939B6-93AF-4DB8-9C6B-D6C7DFDC589F}" vid="{4A3C46E8-61CC-4603-A589-7422A47A8E4A}"/>
+      <thm15:themeFamily xmlns:thm15="http://schemas.microsoft.com/office/thememl/2012/main" name="Office Theme" id="{62F939B6-93AF-4DB8-9C6B-D6C7DFDC589F}" vid="{4A3C46E8-61CC-4603-A589-7422A47A8E4A}"/>
     </a:ext>
   </a:extLst>
 </a:theme>
@@ -6798,18 +6380,19 @@
   <a:extraClrSchemeLst/>
   <a:extLst>
     <a:ext uri="{05A4C25C-085E-4340-85A3-A5531E510DB2}">
-      <thm15:themeFamily xmlns:thm15="http://schemas.microsoft.com/office/thememl/2012/main" xmlns="" name="Office Theme" id="{62F939B6-93AF-4DB8-9C6B-D6C7DFDC589F}" vid="{4A3C46E8-61CC-4603-A589-7422A47A8E4A}"/>
+      <thm15:themeFamily xmlns:thm15="http://schemas.microsoft.com/office/thememl/2012/main" name="Office Theme" id="{62F939B6-93AF-4DB8-9C6B-D6C7DFDC589F}" vid="{4A3C46E8-61CC-4603-A589-7422A47A8E4A}"/>
     </a:ext>
   </a:extLst>
 </a:theme>
 </file>
 
 <file path=customXml/item1.xml><?xml version="1.0" encoding="utf-8"?>
-<p:properties xmlns:p="http://schemas.microsoft.com/office/2006/metadata/properties" xmlns:xsi="http://www.w3.org/2001/XMLSchema-instance" xmlns:pc="http://schemas.microsoft.com/office/infopath/2007/PartnerControls">
-  <documentManagement>
-    <MediaServiceKeyPoints xmlns="71af3243-3dd4-4a8d-8c0d-dd76da1f02a5" xsi:nil="true"/>
-  </documentManagement>
-</p:properties>
+<?mso-contentType ?>
+<FormTemplates xmlns="http://schemas.microsoft.com/sharepoint/v3/contenttype/forms">
+  <Display>DocumentLibraryForm</Display>
+  <Edit>DocumentLibraryForm</Edit>
+  <New>DocumentLibraryForm</New>
+</FormTemplates>
 </file>
 
 <file path=customXml/item2.xml><?xml version="1.0" encoding="utf-8"?>
@@ -7024,20 +6607,17 @@
 </file>
 
 <file path=customXml/item3.xml><?xml version="1.0" encoding="utf-8"?>
-<?mso-contentType ?>
-<FormTemplates xmlns="http://schemas.microsoft.com/sharepoint/v3/contenttype/forms">
-  <Display>DocumentLibraryForm</Display>
-  <Edit>DocumentLibraryForm</Edit>
-  <New>DocumentLibraryForm</New>
-</FormTemplates>
+<p:properties xmlns:p="http://schemas.microsoft.com/office/2006/metadata/properties" xmlns:xsi="http://www.w3.org/2001/XMLSchema-instance" xmlns:pc="http://schemas.microsoft.com/office/infopath/2007/PartnerControls">
+  <documentManagement>
+    <MediaServiceKeyPoints xmlns="71af3243-3dd4-4a8d-8c0d-dd76da1f02a5" xsi:nil="true"/>
+  </documentManagement>
+</p:properties>
 </file>
 
 <file path=customXml/itemProps1.xml><?xml version="1.0" encoding="utf-8"?>
-<ds:datastoreItem xmlns:ds="http://schemas.openxmlformats.org/officeDocument/2006/customXml" ds:itemID="{3D6CA70E-ED75-4FF0-A862-8EF12B737755}">
+<ds:datastoreItem xmlns:ds="http://schemas.openxmlformats.org/officeDocument/2006/customXml" ds:itemID="{ABF1ABED-93B7-45AC-A513-2CB1FF159AFF}">
   <ds:schemaRefs>
-    <ds:schemaRef ds:uri="http://schemas.microsoft.com/office/2006/metadata/properties"/>
-    <ds:schemaRef ds:uri="http://schemas.microsoft.com/office/infopath/2007/PartnerControls"/>
-    <ds:schemaRef ds:uri="71af3243-3dd4-4a8d-8c0d-dd76da1f02a5"/>
+    <ds:schemaRef ds:uri="http://schemas.microsoft.com/sharepoint/v3/contenttype/forms"/>
   </ds:schemaRefs>
 </ds:datastoreItem>
 </file>
@@ -7062,9 +6642,11 @@
 </file>
 
 <file path=customXml/itemProps3.xml><?xml version="1.0" encoding="utf-8"?>
-<ds:datastoreItem xmlns:ds="http://schemas.openxmlformats.org/officeDocument/2006/customXml" ds:itemID="{ABF1ABED-93B7-45AC-A513-2CB1FF159AFF}">
+<ds:datastoreItem xmlns:ds="http://schemas.openxmlformats.org/officeDocument/2006/customXml" ds:itemID="{3D6CA70E-ED75-4FF0-A862-8EF12B737755}">
   <ds:schemaRefs>
-    <ds:schemaRef ds:uri="http://schemas.microsoft.com/sharepoint/v3/contenttype/forms"/>
+    <ds:schemaRef ds:uri="http://schemas.microsoft.com/office/2006/metadata/properties"/>
+    <ds:schemaRef ds:uri="http://schemas.microsoft.com/office/infopath/2007/PartnerControls"/>
+    <ds:schemaRef ds:uri="71af3243-3dd4-4a8d-8c0d-dd76da1f02a5"/>
   </ds:schemaRefs>
 </ds:datastoreItem>
 </file>